--- a/Documentation/Research_Paper_Work/Recursive_Diagram.pptx
+++ b/Documentation/Research_Paper_Work/Recursive_Diagram.pptx
@@ -259,7 +259,7 @@
           <a:p>
             <a:fld id="{730F9262-DED2-4020-B7FC-F1A9FDA5DA50}" type="datetimeFigureOut">
               <a:rPr lang="en-US" smtClean="0"/>
-              <a:t>5/15/2021</a:t>
+              <a:t>5/20/2021</a:t>
             </a:fld>
             <a:endParaRPr lang="en-US"/>
           </a:p>
@@ -457,7 +457,7 @@
           <a:p>
             <a:fld id="{730F9262-DED2-4020-B7FC-F1A9FDA5DA50}" type="datetimeFigureOut">
               <a:rPr lang="en-US" smtClean="0"/>
-              <a:t>5/15/2021</a:t>
+              <a:t>5/20/2021</a:t>
             </a:fld>
             <a:endParaRPr lang="en-US"/>
           </a:p>
@@ -665,7 +665,7 @@
           <a:p>
             <a:fld id="{730F9262-DED2-4020-B7FC-F1A9FDA5DA50}" type="datetimeFigureOut">
               <a:rPr lang="en-US" smtClean="0"/>
-              <a:t>5/15/2021</a:t>
+              <a:t>5/20/2021</a:t>
             </a:fld>
             <a:endParaRPr lang="en-US"/>
           </a:p>
@@ -863,7 +863,7 @@
           <a:p>
             <a:fld id="{730F9262-DED2-4020-B7FC-F1A9FDA5DA50}" type="datetimeFigureOut">
               <a:rPr lang="en-US" smtClean="0"/>
-              <a:t>5/15/2021</a:t>
+              <a:t>5/20/2021</a:t>
             </a:fld>
             <a:endParaRPr lang="en-US"/>
           </a:p>
@@ -1138,7 +1138,7 @@
           <a:p>
             <a:fld id="{730F9262-DED2-4020-B7FC-F1A9FDA5DA50}" type="datetimeFigureOut">
               <a:rPr lang="en-US" smtClean="0"/>
-              <a:t>5/15/2021</a:t>
+              <a:t>5/20/2021</a:t>
             </a:fld>
             <a:endParaRPr lang="en-US"/>
           </a:p>
@@ -1403,7 +1403,7 @@
           <a:p>
             <a:fld id="{730F9262-DED2-4020-B7FC-F1A9FDA5DA50}" type="datetimeFigureOut">
               <a:rPr lang="en-US" smtClean="0"/>
-              <a:t>5/15/2021</a:t>
+              <a:t>5/20/2021</a:t>
             </a:fld>
             <a:endParaRPr lang="en-US"/>
           </a:p>
@@ -1815,7 +1815,7 @@
           <a:p>
             <a:fld id="{730F9262-DED2-4020-B7FC-F1A9FDA5DA50}" type="datetimeFigureOut">
               <a:rPr lang="en-US" smtClean="0"/>
-              <a:t>5/15/2021</a:t>
+              <a:t>5/20/2021</a:t>
             </a:fld>
             <a:endParaRPr lang="en-US"/>
           </a:p>
@@ -1956,7 +1956,7 @@
           <a:p>
             <a:fld id="{730F9262-DED2-4020-B7FC-F1A9FDA5DA50}" type="datetimeFigureOut">
               <a:rPr lang="en-US" smtClean="0"/>
-              <a:t>5/15/2021</a:t>
+              <a:t>5/20/2021</a:t>
             </a:fld>
             <a:endParaRPr lang="en-US"/>
           </a:p>
@@ -2069,7 +2069,7 @@
           <a:p>
             <a:fld id="{730F9262-DED2-4020-B7FC-F1A9FDA5DA50}" type="datetimeFigureOut">
               <a:rPr lang="en-US" smtClean="0"/>
-              <a:t>5/15/2021</a:t>
+              <a:t>5/20/2021</a:t>
             </a:fld>
             <a:endParaRPr lang="en-US"/>
           </a:p>
@@ -2380,7 +2380,7 @@
           <a:p>
             <a:fld id="{730F9262-DED2-4020-B7FC-F1A9FDA5DA50}" type="datetimeFigureOut">
               <a:rPr lang="en-US" smtClean="0"/>
-              <a:t>5/15/2021</a:t>
+              <a:t>5/20/2021</a:t>
             </a:fld>
             <a:endParaRPr lang="en-US"/>
           </a:p>
@@ -2668,7 +2668,7 @@
           <a:p>
             <a:fld id="{730F9262-DED2-4020-B7FC-F1A9FDA5DA50}" type="datetimeFigureOut">
               <a:rPr lang="en-US" smtClean="0"/>
-              <a:t>5/15/2021</a:t>
+              <a:t>5/20/2021</a:t>
             </a:fld>
             <a:endParaRPr lang="en-US"/>
           </a:p>
@@ -2909,7 +2909,7 @@
           <a:p>
             <a:fld id="{730F9262-DED2-4020-B7FC-F1A9FDA5DA50}" type="datetimeFigureOut">
               <a:rPr lang="en-US" smtClean="0"/>
-              <a:t>5/15/2021</a:t>
+              <a:t>5/20/2021</a:t>
             </a:fld>
             <a:endParaRPr lang="en-US"/>
           </a:p>
@@ -5661,7 +5661,7 @@
                   <a:schemeClr val="tx1"/>
                 </a:solidFill>
               </a:rPr>
-              <a:t>[1,2]</a:t>
+              <a:t>[1,2,3,4]</a:t>
             </a:r>
           </a:p>
         </p:txBody>
@@ -6443,15 +6443,12 @@
                 <a:latin typeface="Times New Roman" panose="02020603050405020304" pitchFamily="18" charset="0"/>
                 <a:cs typeface="Times New Roman" panose="02020603050405020304" pitchFamily="18" charset="0"/>
               </a:rPr>
-              <a:t>D</a:t>
-            </a:r>
-            <a:r>
-              <a:rPr lang="en-US" sz="1200" b="1" baseline="-2000" dirty="0">
-                <a:latin typeface="Times New Roman" panose="02020603050405020304" pitchFamily="18" charset="0"/>
-                <a:cs typeface="Times New Roman" panose="02020603050405020304" pitchFamily="18" charset="0"/>
-              </a:rPr>
-              <a:t>0</a:t>
-            </a:r>
+              <a:t>D0</a:t>
+            </a:r>
+            <a:endParaRPr lang="en-US" sz="1200" b="1" baseline="-2000" dirty="0">
+              <a:latin typeface="Times New Roman" panose="02020603050405020304" pitchFamily="18" charset="0"/>
+              <a:cs typeface="Times New Roman" panose="02020603050405020304" pitchFamily="18" charset="0"/>
+            </a:endParaRPr>
           </a:p>
         </p:txBody>
       </p:sp>
@@ -6502,15 +6499,12 @@
                 <a:latin typeface="Times New Roman" panose="02020603050405020304" pitchFamily="18" charset="0"/>
                 <a:cs typeface="Times New Roman" panose="02020603050405020304" pitchFamily="18" charset="0"/>
               </a:rPr>
-              <a:t>D</a:t>
-            </a:r>
-            <a:r>
-              <a:rPr lang="en-US" sz="1200" b="1" baseline="-2000" dirty="0">
-                <a:latin typeface="Times New Roman" panose="02020603050405020304" pitchFamily="18" charset="0"/>
-                <a:cs typeface="Times New Roman" panose="02020603050405020304" pitchFamily="18" charset="0"/>
-              </a:rPr>
-              <a:t>1</a:t>
-            </a:r>
+              <a:t>D1</a:t>
+            </a:r>
+            <a:endParaRPr lang="en-US" sz="1200" b="1" baseline="-2000" dirty="0">
+              <a:latin typeface="Times New Roman" panose="02020603050405020304" pitchFamily="18" charset="0"/>
+              <a:cs typeface="Times New Roman" panose="02020603050405020304" pitchFamily="18" charset="0"/>
+            </a:endParaRPr>
           </a:p>
         </p:txBody>
       </p:sp>
@@ -6561,15 +6555,12 @@
                 <a:latin typeface="Times New Roman" panose="02020603050405020304" pitchFamily="18" charset="0"/>
                 <a:cs typeface="Times New Roman" panose="02020603050405020304" pitchFamily="18" charset="0"/>
               </a:rPr>
-              <a:t>D</a:t>
-            </a:r>
-            <a:r>
-              <a:rPr lang="en-US" sz="1200" b="1" baseline="-2000" dirty="0">
-                <a:latin typeface="Times New Roman" panose="02020603050405020304" pitchFamily="18" charset="0"/>
-                <a:cs typeface="Times New Roman" panose="02020603050405020304" pitchFamily="18" charset="0"/>
-              </a:rPr>
-              <a:t>2</a:t>
-            </a:r>
+              <a:t>D2</a:t>
+            </a:r>
+            <a:endParaRPr lang="en-US" sz="1200" b="1" baseline="-2000" dirty="0">
+              <a:latin typeface="Times New Roman" panose="02020603050405020304" pitchFamily="18" charset="0"/>
+              <a:cs typeface="Times New Roman" panose="02020603050405020304" pitchFamily="18" charset="0"/>
+            </a:endParaRPr>
           </a:p>
         </p:txBody>
       </p:sp>
@@ -6620,15 +6611,12 @@
                 <a:latin typeface="Times New Roman" panose="02020603050405020304" pitchFamily="18" charset="0"/>
                 <a:cs typeface="Times New Roman" panose="02020603050405020304" pitchFamily="18" charset="0"/>
               </a:rPr>
-              <a:t>D</a:t>
-            </a:r>
-            <a:r>
-              <a:rPr lang="en-US" sz="1200" b="1" baseline="-2000" dirty="0">
-                <a:latin typeface="Times New Roman" panose="02020603050405020304" pitchFamily="18" charset="0"/>
-                <a:cs typeface="Times New Roman" panose="02020603050405020304" pitchFamily="18" charset="0"/>
-              </a:rPr>
-              <a:t>3</a:t>
-            </a:r>
+              <a:t>D3</a:t>
+            </a:r>
+            <a:endParaRPr lang="en-US" sz="1200" b="1" baseline="-2000" dirty="0">
+              <a:latin typeface="Times New Roman" panose="02020603050405020304" pitchFamily="18" charset="0"/>
+              <a:cs typeface="Times New Roman" panose="02020603050405020304" pitchFamily="18" charset="0"/>
+            </a:endParaRPr>
           </a:p>
         </p:txBody>
       </p:sp>
